--- a/Yu Feng CRC-fungi-Re1 (JY)/S_fig5.pptx
+++ b/Yu Feng CRC-fungi-Re1 (JY)/S_fig5.pptx
@@ -3417,10 +3417,10 @@
       </p:grpSpPr>
       <p:grpSp>
         <p:nvGrpSpPr>
-          <p:cNvPr id="3" name="Group 2">
+          <p:cNvPr id="2" name="Group 1">
             <a:extLst>
               <a:ext uri="{FF2B5EF4-FFF2-40B4-BE49-F238E27FC236}">
-                <a16:creationId xmlns:a16="http://schemas.microsoft.com/office/drawing/2014/main" id="{FAD0CE3A-F4B9-48C6-A5BF-9393AE3266D7}"/>
+                <a16:creationId xmlns:a16="http://schemas.microsoft.com/office/drawing/2014/main" id="{810115E1-C45A-40C0-8296-4BC0EB921AE9}"/>
               </a:ext>
             </a:extLst>
           </p:cNvPr>
@@ -3429,10 +3429,10 @@
         </p:nvGrpSpPr>
         <p:grpSpPr>
           <a:xfrm>
-            <a:off x="441714" y="1759207"/>
-            <a:ext cx="11190476" cy="8276246"/>
+            <a:off x="825907" y="1759207"/>
+            <a:ext cx="11190476" cy="7352038"/>
             <a:chOff x="1150374" y="1759207"/>
-            <a:chExt cx="11190476" cy="8276246"/>
+            <a:chExt cx="11190476" cy="7352038"/>
           </a:xfrm>
         </p:grpSpPr>
         <p:pic>
@@ -3450,15 +3450,20 @@
             <p:nvPr/>
           </p:nvPicPr>
           <p:blipFill>
-            <a:blip r:embed="rId3"/>
-            <a:stretch>
-              <a:fillRect/>
-            </a:stretch>
+            <a:blip r:embed="rId3">
+              <a:extLst>
+                <a:ext uri="{28A0092B-C50C-407E-A947-70E740481C1C}">
+                  <a14:useLocalDpi xmlns:a14="http://schemas.microsoft.com/office/drawing/2010/main" val="0"/>
+                </a:ext>
+              </a:extLst>
+            </a:blip>
+            <a:srcRect/>
+            <a:stretch/>
           </p:blipFill>
           <p:spPr>
             <a:xfrm>
-              <a:off x="1150374" y="2197358"/>
-              <a:ext cx="11190476" cy="7838095"/>
+              <a:off x="1150374" y="3121565"/>
+              <a:ext cx="11190476" cy="5989680"/>
             </a:xfrm>
             <a:prstGeom prst="rect">
               <a:avLst/>
@@ -3515,10 +3520,10 @@
       </p:grpSp>
       <p:grpSp>
         <p:nvGrpSpPr>
-          <p:cNvPr id="2" name="Group 1">
+          <p:cNvPr id="3" name="Group 2">
             <a:extLst>
               <a:ext uri="{FF2B5EF4-FFF2-40B4-BE49-F238E27FC236}">
-                <a16:creationId xmlns:a16="http://schemas.microsoft.com/office/drawing/2014/main" id="{790ADF51-6CCD-4CB2-AC4E-64F86A71B675}"/>
+                <a16:creationId xmlns:a16="http://schemas.microsoft.com/office/drawing/2014/main" id="{0AEEDF7E-D173-42B1-ADED-701F81775A9E}"/>
               </a:ext>
             </a:extLst>
           </p:cNvPr>
@@ -3527,10 +3532,10 @@
         </p:nvGrpSpPr>
         <p:grpSpPr>
           <a:xfrm>
-            <a:off x="11629134" y="1755886"/>
-            <a:ext cx="10885714" cy="7875406"/>
-            <a:chOff x="12817854" y="1755886"/>
-            <a:chExt cx="10885714" cy="7875406"/>
+            <a:off x="11760171" y="1759206"/>
+            <a:ext cx="10759324" cy="8697999"/>
+            <a:chOff x="12881049" y="1759206"/>
+            <a:chExt cx="10759324" cy="8697999"/>
           </a:xfrm>
         </p:grpSpPr>
         <p:pic>
@@ -3560,8 +3565,8 @@
           </p:blipFill>
           <p:spPr>
             <a:xfrm>
-              <a:off x="12817854" y="2197358"/>
-              <a:ext cx="10885714" cy="7433934"/>
+              <a:off x="12881049" y="3023271"/>
+              <a:ext cx="10759324" cy="7433934"/>
             </a:xfrm>
             <a:prstGeom prst="rect">
               <a:avLst/>
@@ -3582,7 +3587,7 @@
           </p:nvSpPr>
           <p:spPr>
             <a:xfrm>
-              <a:off x="16881231" y="1755886"/>
+              <a:off x="17999869" y="1759206"/>
               <a:ext cx="1443024" cy="584775"/>
             </a:xfrm>
             <a:prstGeom prst="rect">
@@ -3625,7 +3630,7 @@
           <p:cNvPr id="4" name="Group 3">
             <a:extLst>
               <a:ext uri="{FF2B5EF4-FFF2-40B4-BE49-F238E27FC236}">
-                <a16:creationId xmlns:a16="http://schemas.microsoft.com/office/drawing/2014/main" id="{CC19728F-B765-41CF-9EAB-3FDB7040549E}"/>
+                <a16:creationId xmlns:a16="http://schemas.microsoft.com/office/drawing/2014/main" id="{09A19EB8-FD86-49D9-A598-D92F080AD925}"/>
               </a:ext>
             </a:extLst>
           </p:cNvPr>
@@ -3634,10 +3639,10 @@
         </p:nvGrpSpPr>
         <p:grpSpPr>
           <a:xfrm>
-            <a:off x="22456000" y="1755887"/>
-            <a:ext cx="11676190" cy="8172678"/>
-            <a:chOff x="24307660" y="1755887"/>
-            <a:chExt cx="11676190" cy="8172678"/>
+            <a:off x="22997868" y="1759207"/>
+            <a:ext cx="9989243" cy="8169358"/>
+            <a:chOff x="25151133" y="1759207"/>
+            <a:chExt cx="9989243" cy="8169358"/>
           </a:xfrm>
         </p:grpSpPr>
         <p:pic>
@@ -3655,15 +3660,20 @@
             <p:nvPr/>
           </p:nvPicPr>
           <p:blipFill>
-            <a:blip r:embed="rId5"/>
-            <a:stretch>
-              <a:fillRect/>
-            </a:stretch>
+            <a:blip r:embed="rId5">
+              <a:extLst>
+                <a:ext uri="{28A0092B-C50C-407E-A947-70E740481C1C}">
+                  <a14:useLocalDpi xmlns:a14="http://schemas.microsoft.com/office/drawing/2010/main" val="0"/>
+                </a:ext>
+              </a:extLst>
+            </a:blip>
+            <a:srcRect/>
+            <a:stretch/>
           </p:blipFill>
           <p:spPr>
             <a:xfrm>
-              <a:off x="24307660" y="2671422"/>
-              <a:ext cx="11676190" cy="7257143"/>
+              <a:off x="25151133" y="2671422"/>
+              <a:ext cx="9989243" cy="7257143"/>
             </a:xfrm>
             <a:prstGeom prst="rect">
               <a:avLst/>
@@ -3684,7 +3694,7 @@
           </p:nvSpPr>
           <p:spPr>
             <a:xfrm>
-              <a:off x="28568079" y="1755887"/>
+              <a:off x="29695938" y="1759207"/>
               <a:ext cx="1577676" cy="584775"/>
             </a:xfrm>
             <a:prstGeom prst="rect">
